--- a/ppt/算法讲解079【必备】树型dp-下.pptx
+++ b/ppt/算法讲解079【必备】树型dp-下.pptx
@@ -3918,7 +3918,7 @@
       </p:sp>
       <p:sp>
         <p:nvSpPr>
-          <p:cNvPr id="153" name="前置知识:…"/>
+          <p:cNvPr id="153" name="前置知识…"/>
           <p:cNvSpPr txBox="1"/>
           <p:nvPr/>
         </p:nvSpPr>
@@ -3957,7 +3957,7 @@
               </a:defRPr>
             </a:pPr>
             <a:r>
-              <a:t>前置知识: </a:t>
+              <a:t>前置知识 </a:t>
             </a:r>
           </a:p>
           <a:p>
@@ -3973,7 +3973,7 @@
               </a:defRPr>
             </a:pPr>
             <a:r>
-              <a:t>讲解017、讲解018、讲解036、讲解037 - 二叉树基础内容</a:t>
+              <a:t>讲解059 - 链式前向星建图</a:t>
             </a:r>
           </a:p>
           <a:p>
@@ -3989,7 +3989,7 @@
               </a:defRPr>
             </a:pPr>
             <a:r>
-              <a:t>讲解059 - 建图、链式前向星建图、拓扑排序</a:t>
+              <a:t>讲解073 - 01背包，本节课题目5需要</a:t>
             </a:r>
           </a:p>
           <a:p>
@@ -4005,7 +4005,7 @@
               </a:defRPr>
             </a:pPr>
             <a:r>
-              <a:t>讲解060 - 拓扑排序的扩展技巧，讲的题就是DAG图上的动态规划</a:t>
+              <a:t>讲解078 - 树型dp-上</a:t>
             </a:r>
           </a:p>
           <a:p>
@@ -4021,7 +4021,7 @@
               </a:defRPr>
             </a:pPr>
             <a:r>
-              <a:t>讲解073 - 01背包（题目5需要）</a:t>
+              <a:t>【必备】课程的动态规划大专题从讲解066开始，建议从头开始学习会比较系统</a:t>
             </a:r>
           </a:p>
           <a:p>
@@ -4036,9 +4036,6 @@
                 <a:sym typeface="Monaco"/>
               </a:defRPr>
             </a:pPr>
-            <a:r>
-              <a:t>【必备】课程的动态规划大专题从讲解066开始，建议从头开始学习会比较系统</a:t>
-            </a:r>
           </a:p>
           <a:p>
             <a:pPr algn="l" defTabSz="825500">
@@ -4052,6 +4049,9 @@
                 <a:sym typeface="Monaco"/>
               </a:defRPr>
             </a:pPr>
+            <a:r>
+              <a:t>上节课</a:t>
+            </a:r>
           </a:p>
           <a:p>
             <a:pPr algn="l" defTabSz="825500">
@@ -4066,7 +4066,7 @@
               </a:defRPr>
             </a:pPr>
             <a:r>
-              <a:t>上节课 讲述了几个常见的树型dp问题，熟悉了树型dp的解题套路</a:t>
+              <a:t>讲述了几道经典树型dp问题，熟悉了树型dp的解题套路</a:t>
             </a:r>
           </a:p>
           <a:p>
@@ -4081,27 +4081,10 @@
                 <a:sym typeface="Monaco"/>
               </a:defRPr>
             </a:pPr>
-            <a:r>
-              <a:t>本节课 树型dp-下，见识更多树型dp问题（题目1、2）</a:t>
-            </a:r>
           </a:p>
           <a:p>
             <a:pPr algn="l" defTabSz="825500">
               <a:defRPr sz="3600">
-                <a:solidFill>
-                  <a:srgbClr val="000000"/>
-                </a:solidFill>
-                <a:latin typeface="Monaco"/>
-                <a:ea typeface="Monaco"/>
-                <a:cs typeface="Monaco"/>
-                <a:sym typeface="Monaco"/>
-              </a:defRPr>
-            </a:pPr>
-            <a:r>
-              <a:t>本节课 还要重点讲述</a:t>
-            </a:r>
-            <a:r>
-              <a:rPr>
                 <a:solidFill>
                   <a:schemeClr val="accent5">
                     <a:hueOff val="-82419"/>
@@ -4109,68 +4092,19 @@
                     <a:lumOff val="-16343"/>
                   </a:schemeClr>
                 </a:solidFill>
-              </a:rPr>
-              <a:t>dfn序的内容</a:t>
-            </a:r>
-            <a:r>
-              <a:t> (题目3、4、5）</a:t>
-            </a:r>
-            <a:endParaRPr>
-              <a:solidFill>
-                <a:schemeClr val="accent5">
-                  <a:hueOff val="-82419"/>
-                  <a:satOff val="-9513"/>
-                  <a:lumOff val="-16343"/>
-                </a:schemeClr>
-              </a:solidFill>
-            </a:endParaRPr>
+                <a:latin typeface="Monaco"/>
+                <a:ea typeface="Monaco"/>
+                <a:cs typeface="Monaco"/>
+                <a:sym typeface="Monaco"/>
+              </a:defRPr>
+            </a:pPr>
+            <a:r>
+              <a:t>本节课</a:t>
+            </a:r>
           </a:p>
           <a:p>
             <a:pPr algn="l" defTabSz="825500">
               <a:defRPr sz="3600">
-                <a:solidFill>
-                  <a:srgbClr val="000000"/>
-                </a:solidFill>
-                <a:latin typeface="Monaco"/>
-                <a:ea typeface="Monaco"/>
-                <a:cs typeface="Monaco"/>
-                <a:sym typeface="Monaco"/>
-              </a:defRPr>
-            </a:pPr>
-          </a:p>
-          <a:p>
-            <a:pPr algn="l" defTabSz="825500">
-              <a:defRPr sz="3600">
-                <a:solidFill>
-                  <a:srgbClr val="000000"/>
-                </a:solidFill>
-                <a:latin typeface="Monaco"/>
-                <a:ea typeface="Monaco"/>
-                <a:cs typeface="Monaco"/>
-                <a:sym typeface="Monaco"/>
-              </a:defRPr>
-            </a:pPr>
-            <a:r>
-              <a:t>注意：</a:t>
-            </a:r>
-          </a:p>
-          <a:p>
-            <a:pPr algn="l" defTabSz="825500">
-              <a:defRPr sz="3600">
-                <a:solidFill>
-                  <a:srgbClr val="000000"/>
-                </a:solidFill>
-                <a:latin typeface="Monaco"/>
-                <a:ea typeface="Monaco"/>
-                <a:cs typeface="Monaco"/>
-                <a:sym typeface="Monaco"/>
-              </a:defRPr>
-            </a:pPr>
-            <a:r>
-              <a:t>讲解060-拓扑排序的扩展技巧，</a:t>
-            </a:r>
-            <a:r>
-              <a:rPr>
                 <a:solidFill>
                   <a:schemeClr val="accent5">
                     <a:hueOff val="-82419"/>
@@ -4178,30 +4112,19 @@
                     <a:lumOff val="-16343"/>
                   </a:schemeClr>
                 </a:solidFill>
-              </a:rPr>
-              <a:t>DAG图上做动态规划（Directed Acyclic Graph）</a:t>
-            </a:r>
-            <a:r>
-              <a:t>，不要跳过</a:t>
+                <a:latin typeface="Monaco"/>
+                <a:ea typeface="Monaco"/>
+                <a:cs typeface="Monaco"/>
+                <a:sym typeface="Monaco"/>
+              </a:defRPr>
+            </a:pPr>
+            <a:r>
+              <a:t>见识更多树型dp问题(题目1、2)</a:t>
             </a:r>
           </a:p>
           <a:p>
             <a:pPr algn="l" defTabSz="825500">
               <a:defRPr sz="3600">
-                <a:solidFill>
-                  <a:srgbClr val="000000"/>
-                </a:solidFill>
-                <a:latin typeface="Monaco"/>
-                <a:ea typeface="Monaco"/>
-                <a:cs typeface="Monaco"/>
-                <a:sym typeface="Monaco"/>
-              </a:defRPr>
-            </a:pPr>
-            <a:r>
-              <a:t>树型dp中有关 </a:t>
-            </a:r>
-            <a:r>
-              <a:rPr>
                 <a:solidFill>
                   <a:schemeClr val="accent5">
                     <a:hueOff val="-82419"/>
@@ -4209,11 +4132,34 @@
                     <a:lumOff val="-16343"/>
                   </a:schemeClr>
                 </a:solidFill>
-              </a:rPr>
-              <a:t>换根dp</a:t>
-            </a:r>
-            <a:r>
-              <a:t> 的内容，将放在【扩展】课程阶段讲述</a:t>
+                <a:latin typeface="Monaco"/>
+                <a:ea typeface="Monaco"/>
+                <a:cs typeface="Monaco"/>
+                <a:sym typeface="Monaco"/>
+              </a:defRPr>
+            </a:pPr>
+            <a:r>
+              <a:t>树上dfn序和相关题目(题目3、4、5)</a:t>
+            </a:r>
+          </a:p>
+          <a:p>
+            <a:pPr algn="l" defTabSz="825500">
+              <a:defRPr sz="3600">
+                <a:solidFill>
+                  <a:schemeClr val="accent5">
+                    <a:hueOff val="-82419"/>
+                    <a:satOff val="-9513"/>
+                    <a:lumOff val="-16343"/>
+                  </a:schemeClr>
+                </a:solidFill>
+                <a:latin typeface="Monaco"/>
+                <a:ea typeface="Monaco"/>
+                <a:cs typeface="Monaco"/>
+                <a:sym typeface="Monaco"/>
+              </a:defRPr>
+            </a:pPr>
+            <a:r>
+              <a:t>本节课的题目5，树上01背包，推荐掌握最优解</a:t>
             </a:r>
           </a:p>
         </p:txBody>
@@ -6154,7 +6100,7 @@
       </p:sp>
       <p:sp>
         <p:nvSpPr>
-          <p:cNvPr id="178" name="题目5（最优解和dfn序相关）…"/>
+          <p:cNvPr id="178" name="题目5…"/>
           <p:cNvSpPr txBox="1"/>
           <p:nvPr/>
         </p:nvSpPr>
@@ -6193,7 +6139,7 @@
               </a:defRPr>
             </a:pPr>
             <a:r>
-              <a:t>题目5（最优解和dfn序相关）</a:t>
+              <a:t>题目5</a:t>
             </a:r>
           </a:p>
           <a:p>
@@ -6209,7 +6155,7 @@
               </a:defRPr>
             </a:pPr>
             <a:r>
-              <a:t>选课</a:t>
+              <a:t>选课，树上01背包</a:t>
             </a:r>
           </a:p>
           <a:p>
@@ -6330,20 +6276,6 @@
           <a:p>
             <a:pPr algn="l" defTabSz="457200">
               <a:defRPr sz="3600">
-                <a:solidFill>
-                  <a:srgbClr val="000000"/>
-                </a:solidFill>
-                <a:latin typeface="Monaco"/>
-                <a:ea typeface="Monaco"/>
-                <a:cs typeface="Monaco"/>
-                <a:sym typeface="Monaco"/>
-              </a:defRPr>
-            </a:pPr>
-            <a:r>
-              <a:t>普通解法时间复杂度</a:t>
-            </a:r>
-            <a:r>
-              <a:rPr>
                 <a:solidFill>
                   <a:schemeClr val="accent5">
                     <a:hueOff val="-82419"/>
@@ -6351,36 +6283,19 @@
                     <a:lumOff val="-16343"/>
                   </a:schemeClr>
                 </a:solidFill>
-              </a:rPr>
-              <a:t>O(n * 每个节点的孩子平均数量 * m的平方)</a:t>
-            </a:r>
-            <a:endParaRPr>
-              <a:solidFill>
-                <a:schemeClr val="accent5">
-                  <a:hueOff val="-82419"/>
-                  <a:satOff val="-9513"/>
-                  <a:lumOff val="-16343"/>
-                </a:schemeClr>
-              </a:solidFill>
-            </a:endParaRPr>
+                <a:latin typeface="Monaco"/>
+                <a:ea typeface="Monaco"/>
+                <a:cs typeface="Monaco"/>
+                <a:sym typeface="Monaco"/>
+              </a:defRPr>
+            </a:pPr>
+            <a:r>
+              <a:t>普通解法时间复杂度O(n * 每个节点的孩子平均数量 * m的平方)</a:t>
+            </a:r>
           </a:p>
           <a:p>
             <a:pPr algn="l" defTabSz="457200">
               <a:defRPr sz="3600">
-                <a:solidFill>
-                  <a:srgbClr val="000000"/>
-                </a:solidFill>
-                <a:latin typeface="Monaco"/>
-                <a:ea typeface="Monaco"/>
-                <a:cs typeface="Monaco"/>
-                <a:sym typeface="Monaco"/>
-              </a:defRPr>
-            </a:pPr>
-            <a:r>
-              <a:t>最优解的时间复杂度</a:t>
-            </a:r>
-            <a:r>
-              <a:rPr>
                 <a:solidFill>
                   <a:schemeClr val="accent5">
                     <a:hueOff val="-82419"/>
@@ -6388,14 +6303,16 @@
                     <a:lumOff val="-16343"/>
                   </a:schemeClr>
                 </a:solidFill>
-              </a:rPr>
-              <a:t>O(n * m)</a:t>
-            </a:r>
-            <a:r>
-              <a:t>，</a:t>
-            </a:r>
-            <a:r>
-              <a:rPr>
+                <a:latin typeface="Monaco"/>
+                <a:ea typeface="Monaco"/>
+                <a:cs typeface="Monaco"/>
+                <a:sym typeface="Monaco"/>
+              </a:defRPr>
+            </a:pPr>
+          </a:p>
+          <a:p>
+            <a:pPr algn="l" defTabSz="457200">
+              <a:defRPr sz="3600">
                 <a:solidFill>
                   <a:schemeClr val="accent5">
                     <a:hueOff val="-82419"/>
@@ -6403,43 +6320,19 @@
                     <a:lumOff val="-16343"/>
                   </a:schemeClr>
                 </a:solidFill>
-              </a:rPr>
-              <a:t>dfn序的利用 + 巧妙定义下的尝试</a:t>
+                <a:latin typeface="Monaco"/>
+                <a:ea typeface="Monaco"/>
+                <a:cs typeface="Monaco"/>
+                <a:sym typeface="Monaco"/>
+              </a:defRPr>
+            </a:pPr>
+            <a:r>
+              <a:t>最优解的时间复杂度O(n * m)，dfn序的利用 + 巧妙定义下的尝试，尤其理解 有效结构 ！</a:t>
             </a:r>
           </a:p>
           <a:p>
             <a:pPr algn="l" defTabSz="457200">
               <a:defRPr sz="3600">
-                <a:solidFill>
-                  <a:srgbClr val="000000"/>
-                </a:solidFill>
-                <a:latin typeface="Monaco"/>
-                <a:ea typeface="Monaco"/>
-                <a:cs typeface="Monaco"/>
-                <a:sym typeface="Monaco"/>
-              </a:defRPr>
-            </a:pPr>
-            <a:r>
-              <a:t>这道题非常好，做出能通过的解不难，因为题目设置的数据量不大，但是最优解非常巧妙！</a:t>
-            </a:r>
-          </a:p>
-          <a:p>
-            <a:pPr algn="l" defTabSz="457200">
-              <a:defRPr sz="3600">
-                <a:solidFill>
-                  <a:srgbClr val="000000"/>
-                </a:solidFill>
-                <a:latin typeface="Monaco"/>
-                <a:ea typeface="Monaco"/>
-                <a:cs typeface="Monaco"/>
-                <a:sym typeface="Monaco"/>
-              </a:defRPr>
-            </a:pPr>
-            <a:r>
-              <a:t>注意：最优解属于动态规划的 </a:t>
-            </a:r>
-            <a:r>
-              <a:rPr>
                 <a:solidFill>
                   <a:schemeClr val="accent5">
                     <a:hueOff val="-82419"/>
@@ -6447,14 +6340,16 @@
                     <a:lumOff val="-16343"/>
                   </a:schemeClr>
                 </a:solidFill>
-              </a:rPr>
-              <a:t>状态设计优化</a:t>
-            </a:r>
-            <a:r>
-              <a:t>，还属于 </a:t>
-            </a:r>
-            <a:r>
-              <a:rPr>
+                <a:latin typeface="Monaco"/>
+                <a:ea typeface="Monaco"/>
+                <a:cs typeface="Monaco"/>
+                <a:sym typeface="Monaco"/>
+              </a:defRPr>
+            </a:pPr>
+          </a:p>
+          <a:p>
+            <a:pPr algn="l" defTabSz="457200">
+              <a:defRPr sz="3600">
                 <a:solidFill>
                   <a:schemeClr val="accent5">
                     <a:hueOff val="-82419"/>
@@ -6462,33 +6357,14 @@
                     <a:lumOff val="-16343"/>
                   </a:schemeClr>
                 </a:solidFill>
-              </a:rPr>
-              <a:t>启发式合并</a:t>
-            </a:r>
-          </a:p>
-          <a:p>
-            <a:pPr algn="l" defTabSz="457200">
-              <a:defRPr sz="3600">
-                <a:solidFill>
-                  <a:schemeClr val="accent5">
-                    <a:hueOff val="-82419"/>
-                    <a:satOff val="-9513"/>
-                    <a:lumOff val="-16343"/>
-                  </a:schemeClr>
-                </a:solidFill>
-                <a:latin typeface="Monaco"/>
-                <a:ea typeface="Monaco"/>
-                <a:cs typeface="Monaco"/>
-                <a:sym typeface="Monaco"/>
-              </a:defRPr>
-            </a:pPr>
-            <a:r>
-              <a:rPr>
-                <a:solidFill>
-                  <a:srgbClr val="000000"/>
-                </a:solidFill>
-              </a:rPr>
-              <a:t>这两个部分的内容会在【扩展】、【挺难】课程里安排</a:t>
+                <a:latin typeface="Monaco"/>
+                <a:ea typeface="Monaco"/>
+                <a:cs typeface="Monaco"/>
+                <a:sym typeface="Monaco"/>
+              </a:defRPr>
+            </a:pPr>
+            <a:r>
+              <a:t>推荐掌握最优解！</a:t>
             </a:r>
           </a:p>
         </p:txBody>
